--- a/811M-Ch08_RegressionAnalysis.pptx
+++ b/811M-Ch08_RegressionAnalysis.pptx
@@ -280,7 +280,7 @@
               <a:rPr lang="en-US" dirty="0">
                 <a:latin typeface="Tahoma" pitchFamily="34" charset="0"/>
               </a:rPr>
-              <a:t>811: Machine Learning with Python</a:t>
+              <a:t>811M: Python for Data Scientists</a:t>
             </a:r>
           </a:p>
         </p:txBody>
@@ -339,7 +339,7 @@
                 <a:ea typeface="Tahoma" pitchFamily="34" charset="0"/>
                 <a:cs typeface="Tahoma" pitchFamily="34" charset="0"/>
               </a:rPr>
-              <a:t>Chapter 6</a:t>
+              <a:t>Chapter 8</a:t>
             </a:r>
           </a:p>
         </p:txBody>
@@ -729,7 +729,7 @@
                 </a:solidFill>
                 <a:latin typeface="Tahoma" pitchFamily="34" charset="0"/>
               </a:rPr>
-              <a:t>Chapter 6-</a:t>
+              <a:t>Chapter 8-</a:t>
             </a:r>
             <a:fld id="{9C58707A-6F60-4D20-8A8B-4F90B88EA4F7}" type="slidenum">
               <a:rPr lang="en-US" sz="1200" smtClean="0">
@@ -802,7 +802,7 @@
                 </a:solidFill>
                 <a:latin typeface="Tahoma" pitchFamily="34" charset="0"/>
               </a:rPr>
-              <a:t>811: Machine Learning with Python</a:t>
+              <a:t>811M: Python for Data Scientists</a:t>
             </a:r>
           </a:p>
         </p:txBody>
@@ -4281,7 +4281,7 @@
   <p:clrMapOvr>
     <a:masterClrMapping/>
   </p:clrMapOvr>
-  <p:extLst mod="1">
+  <p:extLst>
     <p:ext uri="{DCECCB84-F9BA-43D5-87BE-67443E8EF086}">
       <p15:sldGuideLst xmlns:p15="http://schemas.microsoft.com/office/powerpoint/2012/main"/>
     </p:ext>
@@ -4622,7 +4622,7 @@
   <p:clrMapOvr>
     <a:masterClrMapping/>
   </p:clrMapOvr>
-  <p:extLst mod="1">
+  <p:extLst>
     <p:ext uri="{DCECCB84-F9BA-43D5-87BE-67443E8EF086}">
       <p15:sldGuideLst xmlns:p15="http://schemas.microsoft.com/office/powerpoint/2012/main"/>
     </p:ext>
@@ -6599,7 +6599,7 @@
                 <a:ea typeface="Tahoma" panose="020B0604030504040204" pitchFamily="34" charset="0"/>
                 <a:cs typeface="Tahoma" panose="020B0604030504040204" pitchFamily="34" charset="0"/>
               </a:rPr>
-              <a:t>811: Machine Learning with Python</a:t>
+              <a:t>811M: Python for Data Scientists</a:t>
             </a:r>
           </a:p>
         </p:txBody>
@@ -7186,7 +7186,7 @@
       </a:lvl9pPr>
     </p:otherStyle>
   </p:txStyles>
-  <p:extLst mod="1">
+  <p:extLst>
     <p:ext uri="{27BBF7A9-308A-43DC-89C8-2F10F3537804}">
       <p15:sldGuideLst xmlns:p15="http://schemas.microsoft.com/office/powerpoint/2012/main"/>
     </p:ext>
@@ -7263,7 +7263,7 @@
           <a:p>
             <a:r>
               <a:rPr lang="en-US" dirty="0"/>
-              <a:t>Machine Learning with Python</a:t>
+              <a:t>Python for Data Scientists</a:t>
             </a:r>
           </a:p>
         </p:txBody>
@@ -7580,13 +7580,13 @@
           <a:p>
             <a:r>
               <a:rPr lang="en-US" sz="1600" b="1" dirty="0"/>
-              <a:t>print("Mean squared error: %.2f" % mean_squared_error(testY, predictions))</a:t>
+              <a:t>print ("Mean squared error: %.2f" % mean_squared_error(testY, predictions))</a:t>
             </a:r>
           </a:p>
           <a:p>
             <a:r>
               <a:rPr lang="en-US" sz="1600" b="1" dirty="0"/>
-              <a:t>print('Variance score: %.2f' % r2_score(testY, predictions))</a:t>
+              <a:t>print ('Variance score: %.2f' % r2_score(testY, predictions))</a:t>
             </a:r>
             <a:endParaRPr lang="en-US" sz="1600" dirty="0">
               <a:latin typeface="Courier New" charset="0"/>
@@ -8074,41 +8074,6 @@
       </p:grpSpPr>
       <p:sp>
         <p:nvSpPr>
-          <p:cNvPr id="3" name="Text Placeholder 2"/>
-          <p:cNvSpPr>
-            <a:spLocks noGrp="1"/>
-          </p:cNvSpPr>
-          <p:nvPr>
-            <p:ph type="body" sz="quarter" idx="11"/>
-          </p:nvPr>
-        </p:nvSpPr>
-        <p:spPr/>
-        <p:txBody>
-          <a:bodyPr/>
-          <a:lstStyle/>
-          <a:p>
-            <a:r>
-              <a:rPr lang="en-US" dirty="0"/>
-              <a:t>Cluster Analysis</a:t>
-            </a:r>
-          </a:p>
-          <a:p>
-            <a:r>
-              <a:rPr lang="en-US" dirty="0"/>
-              <a:t>Algorithms</a:t>
-            </a:r>
-          </a:p>
-          <a:p>
-            <a:pPr lvl="1"/>
-            <a:r>
-              <a:rPr lang="en-US" b="1" dirty="0"/>
-              <a:t>Chapter Summary</a:t>
-            </a:r>
-          </a:p>
-        </p:txBody>
-      </p:sp>
-      <p:sp>
-        <p:nvSpPr>
           <p:cNvPr id="2" name="Title 1"/>
           <p:cNvSpPr>
             <a:spLocks noGrp="1"/>
@@ -8129,361 +8094,221 @@
           </a:p>
         </p:txBody>
       </p:sp>
-      <p:grpSp>
-        <p:nvGrpSpPr>
-          <p:cNvPr id="13" name="Group 12"/>
-          <p:cNvGrpSpPr/>
-          <p:nvPr/>
-        </p:nvGrpSpPr>
-        <p:grpSpPr>
-          <a:xfrm>
-            <a:off x="2932771" y="2910975"/>
-            <a:ext cx="410322" cy="377482"/>
-            <a:chOff x="1766887" y="1515010"/>
-            <a:chExt cx="741316" cy="700622"/>
-          </a:xfrm>
-          <a:solidFill>
-            <a:schemeClr val="accent4"/>
-          </a:solidFill>
-          <a:scene3d>
-            <a:camera prst="orthographicFront">
-              <a:rot lat="0" lon="0" rev="0"/>
-            </a:camera>
-            <a:lightRig rig="balanced" dir="t">
-              <a:rot lat="0" lon="0" rev="8700000"/>
-            </a:lightRig>
-          </a:scene3d>
-        </p:grpSpPr>
-        <p:sp>
-          <p:nvSpPr>
-            <p:cNvPr id="16" name="AutoShape 10"/>
-            <p:cNvSpPr>
-              <a:spLocks noChangeArrowheads="1"/>
-            </p:cNvSpPr>
-            <p:nvPr/>
-          </p:nvSpPr>
-          <p:spPr bwMode="black">
-            <a:xfrm rot="5400000">
-              <a:off x="1787234" y="1494663"/>
-              <a:ext cx="700622" cy="741316"/>
-            </a:xfrm>
-            <a:custGeom>
-              <a:avLst/>
-              <a:gdLst>
-                <a:gd name="connsiteX0" fmla="*/ 0 w 264955"/>
-                <a:gd name="connsiteY0" fmla="*/ 311498 h 311498"/>
-                <a:gd name="connsiteX1" fmla="*/ 132478 w 264955"/>
-                <a:gd name="connsiteY1" fmla="*/ 0 h 311498"/>
-                <a:gd name="connsiteX2" fmla="*/ 264955 w 264955"/>
-                <a:gd name="connsiteY2" fmla="*/ 311498 h 311498"/>
-                <a:gd name="connsiteX3" fmla="*/ 0 w 264955"/>
-                <a:gd name="connsiteY3" fmla="*/ 311498 h 311498"/>
-                <a:gd name="connsiteX0" fmla="*/ 0 w 264955"/>
-                <a:gd name="connsiteY0" fmla="*/ 311498 h 312908"/>
-                <a:gd name="connsiteX1" fmla="*/ 132478 w 264955"/>
-                <a:gd name="connsiteY1" fmla="*/ 0 h 312908"/>
-                <a:gd name="connsiteX2" fmla="*/ 264955 w 264955"/>
-                <a:gd name="connsiteY2" fmla="*/ 311498 h 312908"/>
-                <a:gd name="connsiteX3" fmla="*/ 124553 w 264955"/>
-                <a:gd name="connsiteY3" fmla="*/ 312908 h 312908"/>
-                <a:gd name="connsiteX4" fmla="*/ 0 w 264955"/>
-                <a:gd name="connsiteY4" fmla="*/ 311498 h 312908"/>
-                <a:gd name="connsiteX0" fmla="*/ 0 w 264955"/>
-                <a:gd name="connsiteY0" fmla="*/ 311498 h 311498"/>
-                <a:gd name="connsiteX1" fmla="*/ 132478 w 264955"/>
-                <a:gd name="connsiteY1" fmla="*/ 0 h 311498"/>
-                <a:gd name="connsiteX2" fmla="*/ 264955 w 264955"/>
-                <a:gd name="connsiteY2" fmla="*/ 311498 h 311498"/>
-                <a:gd name="connsiteX3" fmla="*/ 138844 w 264955"/>
-                <a:gd name="connsiteY3" fmla="*/ 253377 h 311498"/>
-                <a:gd name="connsiteX4" fmla="*/ 0 w 264955"/>
-                <a:gd name="connsiteY4" fmla="*/ 311498 h 311498"/>
-              </a:gdLst>
-              <a:ahLst/>
-              <a:cxnLst>
-                <a:cxn ang="0">
-                  <a:pos x="connsiteX0" y="connsiteY0"/>
-                </a:cxn>
-                <a:cxn ang="0">
-                  <a:pos x="connsiteX1" y="connsiteY1"/>
-                </a:cxn>
-                <a:cxn ang="0">
-                  <a:pos x="connsiteX2" y="connsiteY2"/>
-                </a:cxn>
-                <a:cxn ang="0">
-                  <a:pos x="connsiteX3" y="connsiteY3"/>
-                </a:cxn>
-                <a:cxn ang="0">
-                  <a:pos x="connsiteX4" y="connsiteY4"/>
-                </a:cxn>
-              </a:cxnLst>
-              <a:rect l="l" t="t" r="r" b="b"/>
-              <a:pathLst>
-                <a:path w="264955" h="311498">
-                  <a:moveTo>
-                    <a:pt x="0" y="311498"/>
-                  </a:moveTo>
-                  <a:lnTo>
-                    <a:pt x="132478" y="0"/>
-                  </a:lnTo>
-                  <a:lnTo>
-                    <a:pt x="264955" y="311498"/>
-                  </a:lnTo>
-                  <a:lnTo>
-                    <a:pt x="138844" y="253377"/>
-                  </a:lnTo>
-                  <a:lnTo>
-                    <a:pt x="0" y="311498"/>
-                  </a:lnTo>
-                  <a:close/>
-                </a:path>
-              </a:pathLst>
-            </a:custGeom>
-            <a:grpFill/>
-            <a:ln w="19050">
-              <a:noFill/>
-              <a:miter lim="800000"/>
-              <a:headEnd/>
-              <a:tailEnd/>
-            </a:ln>
-            <a:effectLst>
-              <a:outerShdw blurRad="44450" dist="27940" dir="5400000" algn="ctr">
-                <a:srgbClr val="000000">
-                  <a:alpha val="32000"/>
-                </a:srgbClr>
-              </a:outerShdw>
-            </a:effectLst>
-            <a:sp3d>
-              <a:bevelT w="190500" h="38100"/>
-            </a:sp3d>
-          </p:spPr>
-          <p:txBody>
-            <a:bodyPr rot="10800000" vert="eaVert" wrap="none" anchor="ctr"/>
-            <a:lstStyle/>
-            <a:p>
-              <a:endParaRPr lang="en-GB" dirty="0">
-                <a:solidFill>
-                  <a:schemeClr val="accent6"/>
-                </a:solidFill>
-              </a:endParaRPr>
-            </a:p>
-          </p:txBody>
-        </p:sp>
-        <p:sp>
-          <p:nvSpPr>
-            <p:cNvPr id="17" name="Freeform 11"/>
-            <p:cNvSpPr>
-              <a:spLocks/>
-            </p:cNvSpPr>
-            <p:nvPr/>
-          </p:nvSpPr>
-          <p:spPr bwMode="hidden">
-            <a:xfrm>
-              <a:off x="1802606" y="1545430"/>
-              <a:ext cx="701117" cy="344477"/>
-            </a:xfrm>
-            <a:custGeom>
-              <a:avLst/>
-              <a:gdLst>
-                <a:gd name="T0" fmla="*/ 0 w 245"/>
-                <a:gd name="T1" fmla="*/ 0 h 158"/>
-                <a:gd name="T2" fmla="*/ 245 w 245"/>
-                <a:gd name="T3" fmla="*/ 146 h 158"/>
-                <a:gd name="T4" fmla="*/ 226 w 245"/>
-                <a:gd name="T5" fmla="*/ 158 h 158"/>
-                <a:gd name="T6" fmla="*/ 0 w 245"/>
-                <a:gd name="T7" fmla="*/ 23 h 158"/>
-                <a:gd name="T8" fmla="*/ 0 w 245"/>
-                <a:gd name="T9" fmla="*/ 0 h 158"/>
-                <a:gd name="T10" fmla="*/ 0 60000 65536"/>
-                <a:gd name="T11" fmla="*/ 0 60000 65536"/>
-                <a:gd name="T12" fmla="*/ 0 60000 65536"/>
-                <a:gd name="T13" fmla="*/ 0 60000 65536"/>
-                <a:gd name="T14" fmla="*/ 0 60000 65536"/>
-                <a:gd name="T15" fmla="*/ 0 w 245"/>
-                <a:gd name="T16" fmla="*/ 0 h 158"/>
-                <a:gd name="T17" fmla="*/ 245 w 245"/>
-                <a:gd name="T18" fmla="*/ 158 h 158"/>
-              </a:gdLst>
-              <a:ahLst/>
-              <a:cxnLst>
-                <a:cxn ang="T10">
-                  <a:pos x="T0" y="T1"/>
-                </a:cxn>
-                <a:cxn ang="T11">
-                  <a:pos x="T2" y="T3"/>
-                </a:cxn>
-                <a:cxn ang="T12">
-                  <a:pos x="T4" y="T5"/>
-                </a:cxn>
-                <a:cxn ang="T13">
-                  <a:pos x="T6" y="T7"/>
-                </a:cxn>
-                <a:cxn ang="T14">
-                  <a:pos x="T8" y="T9"/>
-                </a:cxn>
-              </a:cxnLst>
-              <a:rect l="T15" t="T16" r="T17" b="T18"/>
-              <a:pathLst>
-                <a:path w="245" h="158">
-                  <a:moveTo>
-                    <a:pt x="0" y="0"/>
-                  </a:moveTo>
-                  <a:lnTo>
-                    <a:pt x="245" y="146"/>
-                  </a:lnTo>
-                  <a:lnTo>
-                    <a:pt x="226" y="158"/>
-                  </a:lnTo>
-                  <a:lnTo>
-                    <a:pt x="0" y="23"/>
-                  </a:lnTo>
-                  <a:lnTo>
-                    <a:pt x="0" y="0"/>
-                  </a:lnTo>
-                  <a:close/>
-                </a:path>
-              </a:pathLst>
-            </a:custGeom>
-            <a:grpFill/>
-            <a:ln w="28575" cap="flat" cmpd="sng">
-              <a:noFill/>
-              <a:prstDash val="solid"/>
-              <a:round/>
-              <a:headEnd type="none" w="med" len="med"/>
-              <a:tailEnd type="none" w="med" len="med"/>
-            </a:ln>
-            <a:effectLst>
-              <a:outerShdw blurRad="44450" dist="27940" dir="5400000" algn="ctr">
-                <a:srgbClr val="000000">
-                  <a:alpha val="32000"/>
-                </a:srgbClr>
-              </a:outerShdw>
-            </a:effectLst>
-            <a:sp3d>
-              <a:bevelT w="190500" h="38100"/>
-            </a:sp3d>
-          </p:spPr>
-          <p:txBody>
-            <a:bodyPr/>
-            <a:lstStyle/>
-            <a:p>
-              <a:endParaRPr lang="en-US" dirty="0">
-                <a:solidFill>
-                  <a:schemeClr val="accent6"/>
-                </a:solidFill>
-              </a:endParaRPr>
-            </a:p>
-          </p:txBody>
-        </p:sp>
-        <p:sp>
-          <p:nvSpPr>
-            <p:cNvPr id="18" name="Freeform 12"/>
-            <p:cNvSpPr>
-              <a:spLocks/>
-            </p:cNvSpPr>
-            <p:nvPr/>
-          </p:nvSpPr>
-          <p:spPr bwMode="hidden">
-            <a:xfrm>
-              <a:off x="1797843" y="1840589"/>
-              <a:ext cx="710079" cy="357304"/>
-            </a:xfrm>
-            <a:custGeom>
-              <a:avLst/>
-              <a:gdLst>
-                <a:gd name="T0" fmla="*/ 248 w 248"/>
-                <a:gd name="T1" fmla="*/ 12 h 156"/>
-                <a:gd name="T2" fmla="*/ 0 w 248"/>
-                <a:gd name="T3" fmla="*/ 156 h 156"/>
-                <a:gd name="T4" fmla="*/ 3 w 248"/>
-                <a:gd name="T5" fmla="*/ 131 h 156"/>
-                <a:gd name="T6" fmla="*/ 229 w 248"/>
-                <a:gd name="T7" fmla="*/ 0 h 156"/>
-                <a:gd name="T8" fmla="*/ 248 w 248"/>
-                <a:gd name="T9" fmla="*/ 12 h 156"/>
-                <a:gd name="T10" fmla="*/ 0 60000 65536"/>
-                <a:gd name="T11" fmla="*/ 0 60000 65536"/>
-                <a:gd name="T12" fmla="*/ 0 60000 65536"/>
-                <a:gd name="T13" fmla="*/ 0 60000 65536"/>
-                <a:gd name="T14" fmla="*/ 0 60000 65536"/>
-                <a:gd name="T15" fmla="*/ 0 w 248"/>
-                <a:gd name="T16" fmla="*/ 0 h 156"/>
-                <a:gd name="T17" fmla="*/ 248 w 248"/>
-                <a:gd name="T18" fmla="*/ 156 h 156"/>
-              </a:gdLst>
-              <a:ahLst/>
-              <a:cxnLst>
-                <a:cxn ang="T10">
-                  <a:pos x="T0" y="T1"/>
-                </a:cxn>
-                <a:cxn ang="T11">
-                  <a:pos x="T2" y="T3"/>
-                </a:cxn>
-                <a:cxn ang="T12">
-                  <a:pos x="T4" y="T5"/>
-                </a:cxn>
-                <a:cxn ang="T13">
-                  <a:pos x="T6" y="T7"/>
-                </a:cxn>
-                <a:cxn ang="T14">
-                  <a:pos x="T8" y="T9"/>
-                </a:cxn>
-              </a:cxnLst>
-              <a:rect l="T15" t="T16" r="T17" b="T18"/>
-              <a:pathLst>
-                <a:path w="248" h="156">
-                  <a:moveTo>
-                    <a:pt x="248" y="12"/>
-                  </a:moveTo>
-                  <a:lnTo>
-                    <a:pt x="0" y="156"/>
-                  </a:lnTo>
-                  <a:lnTo>
-                    <a:pt x="3" y="131"/>
-                  </a:lnTo>
-                  <a:lnTo>
-                    <a:pt x="229" y="0"/>
-                  </a:lnTo>
-                  <a:lnTo>
-                    <a:pt x="248" y="12"/>
-                  </a:lnTo>
-                  <a:close/>
-                </a:path>
-              </a:pathLst>
-            </a:custGeom>
-            <a:grpFill/>
-            <a:ln w="28575" cap="flat" cmpd="sng">
-              <a:noFill/>
-              <a:prstDash val="solid"/>
-              <a:round/>
-              <a:headEnd type="none" w="med" len="med"/>
-              <a:tailEnd type="none" w="med" len="med"/>
-            </a:ln>
-            <a:effectLst>
-              <a:outerShdw blurRad="44450" dist="27940" dir="5400000" algn="ctr">
-                <a:srgbClr val="000000">
-                  <a:alpha val="32000"/>
-                </a:srgbClr>
-              </a:outerShdw>
-            </a:effectLst>
-            <a:sp3d>
-              <a:bevelT w="190500" h="38100"/>
-            </a:sp3d>
-          </p:spPr>
-          <p:txBody>
-            <a:bodyPr/>
-            <a:lstStyle/>
-            <a:p>
-              <a:endParaRPr lang="en-US" dirty="0">
-                <a:solidFill>
-                  <a:schemeClr val="accent6"/>
-                </a:solidFill>
-              </a:endParaRPr>
-            </a:p>
-          </p:txBody>
-        </p:sp>
-      </p:grpSp>
+      <p:graphicFrame>
+        <p:nvGraphicFramePr>
+          <p:cNvPr id="9" name="Table 8">
+            <a:extLst>
+              <a:ext uri="{FF2B5EF4-FFF2-40B4-BE49-F238E27FC236}">
+                <a16:creationId xmlns:a16="http://schemas.microsoft.com/office/drawing/2014/main" id="{11C54D53-907B-4645-A17B-829BB0975517}"/>
+              </a:ext>
+            </a:extLst>
+          </p:cNvPr>
+          <p:cNvGraphicFramePr>
+            <a:graphicFrameLocks noGrp="1"/>
+          </p:cNvGraphicFramePr>
+          <p:nvPr>
+            <p:extLst>
+              <p:ext uri="{D42A27DB-BD31-4B8C-83A1-F6EECF244321}">
+                <p14:modId xmlns:p14="http://schemas.microsoft.com/office/powerpoint/2010/main" val="4153294197"/>
+              </p:ext>
+            </p:extLst>
+          </p:nvPr>
+        </p:nvGraphicFramePr>
+        <p:xfrm>
+          <a:off x="2880360" y="1447543"/>
+          <a:ext cx="3383280" cy="1645920"/>
+        </p:xfrm>
+        <a:graphic>
+          <a:graphicData uri="http://schemas.openxmlformats.org/drawingml/2006/table">
+            <a:tbl>
+              <a:tblPr>
+                <a:tableStyleId>{00A15C55-8517-42AA-B614-E9B94910E393}</a:tableStyleId>
+              </a:tblPr>
+              <a:tblGrid>
+                <a:gridCol w="3383280">
+                  <a:extLst>
+                    <a:ext uri="{9D8B030D-6E8A-4147-A177-3AD203B41FA5}">
+                      <a16:colId xmlns:a16="http://schemas.microsoft.com/office/drawing/2014/main" val="1695728431"/>
+                    </a:ext>
+                  </a:extLst>
+                </a:gridCol>
+              </a:tblGrid>
+              <a:tr h="548640">
+                <a:tc>
+                  <a:txBody>
+                    <a:bodyPr/>
+                    <a:lstStyle/>
+                    <a:p>
+                      <a:pPr>
+                        <a:lnSpc>
+                          <a:spcPct val="100000"/>
+                        </a:lnSpc>
+                        <a:spcAft>
+                          <a:spcPts val="0"/>
+                        </a:spcAft>
+                      </a:pPr>
+                      <a:r>
+                        <a:rPr lang="en-US" sz="2000" dirty="0">
+                          <a:solidFill>
+                            <a:schemeClr val="bg1">
+                              <a:lumMod val="65000"/>
+                            </a:schemeClr>
+                          </a:solidFill>
+                        </a:rPr>
+                        <a:t>Regression Analysis</a:t>
+                      </a:r>
+                    </a:p>
+                  </a:txBody>
+                  <a:tcPr anchor="ctr">
+                    <a:lnT w="12700" cap="flat" cmpd="sng" algn="ctr">
+                      <a:solidFill>
+                        <a:schemeClr val="bg1">
+                          <a:lumMod val="65000"/>
+                        </a:schemeClr>
+                      </a:solidFill>
+                      <a:prstDash val="solid"/>
+                      <a:round/>
+                      <a:headEnd type="none" w="med" len="med"/>
+                      <a:tailEnd type="none" w="med" len="med"/>
+                    </a:lnT>
+                    <a:lnB w="12700" cap="flat" cmpd="sng" algn="ctr">
+                      <a:solidFill>
+                        <a:schemeClr val="bg1">
+                          <a:lumMod val="65000"/>
+                        </a:schemeClr>
+                      </a:solidFill>
+                      <a:prstDash val="solid"/>
+                      <a:round/>
+                      <a:headEnd type="none" w="med" len="med"/>
+                      <a:tailEnd type="none" w="med" len="med"/>
+                    </a:lnB>
+                    <a:noFill/>
+                  </a:tcPr>
+                </a:tc>
+                <a:extLst>
+                  <a:ext uri="{0D108BD9-81ED-4DB2-BD59-A6C34878D82A}">
+                    <a16:rowId xmlns:a16="http://schemas.microsoft.com/office/drawing/2014/main" val="1924402624"/>
+                  </a:ext>
+                </a:extLst>
+              </a:tr>
+              <a:tr h="548640">
+                <a:tc>
+                  <a:txBody>
+                    <a:bodyPr/>
+                    <a:lstStyle/>
+                    <a:p>
+                      <a:pPr>
+                        <a:lnSpc>
+                          <a:spcPct val="100000"/>
+                        </a:lnSpc>
+                        <a:spcAft>
+                          <a:spcPts val="0"/>
+                        </a:spcAft>
+                      </a:pPr>
+                      <a:r>
+                        <a:rPr lang="en-US" sz="2000" dirty="0">
+                          <a:solidFill>
+                            <a:schemeClr val="bg1">
+                              <a:lumMod val="65000"/>
+                            </a:schemeClr>
+                          </a:solidFill>
+                        </a:rPr>
+                        <a:t>Algorithms</a:t>
+                      </a:r>
+                    </a:p>
+                  </a:txBody>
+                  <a:tcPr anchor="ctr">
+                    <a:lnT w="12700" cap="flat" cmpd="sng" algn="ctr">
+                      <a:solidFill>
+                        <a:schemeClr val="bg1">
+                          <a:lumMod val="65000"/>
+                        </a:schemeClr>
+                      </a:solidFill>
+                      <a:prstDash val="solid"/>
+                      <a:round/>
+                      <a:headEnd type="none" w="med" len="med"/>
+                      <a:tailEnd type="none" w="med" len="med"/>
+                    </a:lnT>
+                    <a:lnB w="12700" cap="flat" cmpd="sng" algn="ctr">
+                      <a:solidFill>
+                        <a:schemeClr val="bg1">
+                          <a:lumMod val="65000"/>
+                        </a:schemeClr>
+                      </a:solidFill>
+                      <a:prstDash val="solid"/>
+                      <a:round/>
+                      <a:headEnd type="none" w="med" len="med"/>
+                      <a:tailEnd type="none" w="med" len="med"/>
+                    </a:lnB>
+                    <a:noFill/>
+                  </a:tcPr>
+                </a:tc>
+                <a:extLst>
+                  <a:ext uri="{0D108BD9-81ED-4DB2-BD59-A6C34878D82A}">
+                    <a16:rowId xmlns:a16="http://schemas.microsoft.com/office/drawing/2014/main" val="2634114360"/>
+                  </a:ext>
+                </a:extLst>
+              </a:tr>
+              <a:tr h="548640">
+                <a:tc>
+                  <a:txBody>
+                    <a:bodyPr/>
+                    <a:lstStyle/>
+                    <a:p>
+                      <a:pPr>
+                        <a:lnSpc>
+                          <a:spcPct val="100000"/>
+                        </a:lnSpc>
+                        <a:spcAft>
+                          <a:spcPts val="0"/>
+                        </a:spcAft>
+                      </a:pPr>
+                      <a:r>
+                        <a:rPr lang="en-US" sz="2000" b="1" dirty="0">
+                          <a:solidFill>
+                            <a:schemeClr val="tx1"/>
+                          </a:solidFill>
+                        </a:rPr>
+                        <a:t>Chapter Summary</a:t>
+                      </a:r>
+                    </a:p>
+                  </a:txBody>
+                  <a:tcPr anchor="ctr">
+                    <a:lnT w="12700" cap="flat" cmpd="sng" algn="ctr">
+                      <a:solidFill>
+                        <a:schemeClr val="bg1">
+                          <a:lumMod val="65000"/>
+                        </a:schemeClr>
+                      </a:solidFill>
+                      <a:prstDash val="solid"/>
+                      <a:round/>
+                      <a:headEnd type="none" w="med" len="med"/>
+                      <a:tailEnd type="none" w="med" len="med"/>
+                    </a:lnT>
+                    <a:lnB w="12700" cap="flat" cmpd="sng" algn="ctr">
+                      <a:solidFill>
+                        <a:schemeClr val="bg1">
+                          <a:lumMod val="65000"/>
+                        </a:schemeClr>
+                      </a:solidFill>
+                      <a:prstDash val="solid"/>
+                      <a:round/>
+                      <a:headEnd type="none" w="med" len="med"/>
+                      <a:tailEnd type="none" w="med" len="med"/>
+                    </a:lnB>
+                    <a:noFill/>
+                  </a:tcPr>
+                </a:tc>
+                <a:extLst>
+                  <a:ext uri="{0D108BD9-81ED-4DB2-BD59-A6C34878D82A}">
+                    <a16:rowId xmlns:a16="http://schemas.microsoft.com/office/drawing/2014/main" val="376303497"/>
+                  </a:ext>
+                </a:extLst>
+              </a:tr>
+            </a:tbl>
+          </a:graphicData>
+        </a:graphic>
+      </p:graphicFrame>
     </p:spTree>
     <p:extLst>
       <p:ext uri="{BB962C8B-B14F-4D97-AF65-F5344CB8AC3E}">
@@ -8663,7 +8488,7 @@
             <a:pPr lvl="1"/>
             <a:r>
               <a:rPr lang="en-US" dirty="0"/>
-              <a:t>Scikit-Learn</a:t>
+              <a:t>Scikit-learn</a:t>
             </a:r>
           </a:p>
           <a:p>
@@ -8781,7 +8606,7 @@
             <a:pPr lvl="1"/>
             <a:r>
               <a:rPr lang="en-US" dirty="0"/>
-              <a:t>Scikit-Learn</a:t>
+              <a:t>Scikit-learn</a:t>
             </a:r>
           </a:p>
           <a:p>
@@ -8862,41 +8687,6 @@
       </p:grpSpPr>
       <p:sp>
         <p:nvSpPr>
-          <p:cNvPr id="3" name="Text Placeholder 2"/>
-          <p:cNvSpPr>
-            <a:spLocks noGrp="1"/>
-          </p:cNvSpPr>
-          <p:nvPr>
-            <p:ph type="body" sz="quarter" idx="11"/>
-          </p:nvPr>
-        </p:nvSpPr>
-        <p:spPr/>
-        <p:txBody>
-          <a:bodyPr/>
-          <a:lstStyle/>
-          <a:p>
-            <a:r>
-              <a:rPr lang="en-US" b="1" dirty="0"/>
-              <a:t>Regression Analysis</a:t>
-            </a:r>
-          </a:p>
-          <a:p>
-            <a:r>
-              <a:rPr lang="en-US" dirty="0"/>
-              <a:t>Algorithms</a:t>
-            </a:r>
-          </a:p>
-          <a:p>
-            <a:pPr lvl="1"/>
-            <a:r>
-              <a:rPr lang="en-US" dirty="0"/>
-              <a:t>Chapter Summary</a:t>
-            </a:r>
-          </a:p>
-        </p:txBody>
-      </p:sp>
-      <p:sp>
-        <p:nvSpPr>
           <p:cNvPr id="2" name="Title 1"/>
           <p:cNvSpPr>
             <a:spLocks noGrp="1"/>
@@ -8917,361 +8707,221 @@
           </a:p>
         </p:txBody>
       </p:sp>
-      <p:grpSp>
-        <p:nvGrpSpPr>
-          <p:cNvPr id="13" name="Group 12"/>
-          <p:cNvGrpSpPr/>
-          <p:nvPr/>
-        </p:nvGrpSpPr>
-        <p:grpSpPr>
-          <a:xfrm>
-            <a:off x="2905798" y="1705147"/>
-            <a:ext cx="410322" cy="377482"/>
-            <a:chOff x="1766887" y="1515010"/>
-            <a:chExt cx="741316" cy="700622"/>
-          </a:xfrm>
-          <a:solidFill>
-            <a:schemeClr val="accent4"/>
-          </a:solidFill>
-          <a:scene3d>
-            <a:camera prst="orthographicFront">
-              <a:rot lat="0" lon="0" rev="0"/>
-            </a:camera>
-            <a:lightRig rig="balanced" dir="t">
-              <a:rot lat="0" lon="0" rev="8700000"/>
-            </a:lightRig>
-          </a:scene3d>
-        </p:grpSpPr>
-        <p:sp>
-          <p:nvSpPr>
-            <p:cNvPr id="16" name="AutoShape 10"/>
-            <p:cNvSpPr>
-              <a:spLocks noChangeArrowheads="1"/>
-            </p:cNvSpPr>
-            <p:nvPr/>
-          </p:nvSpPr>
-          <p:spPr bwMode="black">
-            <a:xfrm rot="5400000">
-              <a:off x="1787234" y="1494663"/>
-              <a:ext cx="700622" cy="741316"/>
-            </a:xfrm>
-            <a:custGeom>
-              <a:avLst/>
-              <a:gdLst>
-                <a:gd name="connsiteX0" fmla="*/ 0 w 264955"/>
-                <a:gd name="connsiteY0" fmla="*/ 311498 h 311498"/>
-                <a:gd name="connsiteX1" fmla="*/ 132478 w 264955"/>
-                <a:gd name="connsiteY1" fmla="*/ 0 h 311498"/>
-                <a:gd name="connsiteX2" fmla="*/ 264955 w 264955"/>
-                <a:gd name="connsiteY2" fmla="*/ 311498 h 311498"/>
-                <a:gd name="connsiteX3" fmla="*/ 0 w 264955"/>
-                <a:gd name="connsiteY3" fmla="*/ 311498 h 311498"/>
-                <a:gd name="connsiteX0" fmla="*/ 0 w 264955"/>
-                <a:gd name="connsiteY0" fmla="*/ 311498 h 312908"/>
-                <a:gd name="connsiteX1" fmla="*/ 132478 w 264955"/>
-                <a:gd name="connsiteY1" fmla="*/ 0 h 312908"/>
-                <a:gd name="connsiteX2" fmla="*/ 264955 w 264955"/>
-                <a:gd name="connsiteY2" fmla="*/ 311498 h 312908"/>
-                <a:gd name="connsiteX3" fmla="*/ 124553 w 264955"/>
-                <a:gd name="connsiteY3" fmla="*/ 312908 h 312908"/>
-                <a:gd name="connsiteX4" fmla="*/ 0 w 264955"/>
-                <a:gd name="connsiteY4" fmla="*/ 311498 h 312908"/>
-                <a:gd name="connsiteX0" fmla="*/ 0 w 264955"/>
-                <a:gd name="connsiteY0" fmla="*/ 311498 h 311498"/>
-                <a:gd name="connsiteX1" fmla="*/ 132478 w 264955"/>
-                <a:gd name="connsiteY1" fmla="*/ 0 h 311498"/>
-                <a:gd name="connsiteX2" fmla="*/ 264955 w 264955"/>
-                <a:gd name="connsiteY2" fmla="*/ 311498 h 311498"/>
-                <a:gd name="connsiteX3" fmla="*/ 138844 w 264955"/>
-                <a:gd name="connsiteY3" fmla="*/ 253377 h 311498"/>
-                <a:gd name="connsiteX4" fmla="*/ 0 w 264955"/>
-                <a:gd name="connsiteY4" fmla="*/ 311498 h 311498"/>
-              </a:gdLst>
-              <a:ahLst/>
-              <a:cxnLst>
-                <a:cxn ang="0">
-                  <a:pos x="connsiteX0" y="connsiteY0"/>
-                </a:cxn>
-                <a:cxn ang="0">
-                  <a:pos x="connsiteX1" y="connsiteY1"/>
-                </a:cxn>
-                <a:cxn ang="0">
-                  <a:pos x="connsiteX2" y="connsiteY2"/>
-                </a:cxn>
-                <a:cxn ang="0">
-                  <a:pos x="connsiteX3" y="connsiteY3"/>
-                </a:cxn>
-                <a:cxn ang="0">
-                  <a:pos x="connsiteX4" y="connsiteY4"/>
-                </a:cxn>
-              </a:cxnLst>
-              <a:rect l="l" t="t" r="r" b="b"/>
-              <a:pathLst>
-                <a:path w="264955" h="311498">
-                  <a:moveTo>
-                    <a:pt x="0" y="311498"/>
-                  </a:moveTo>
-                  <a:lnTo>
-                    <a:pt x="132478" y="0"/>
-                  </a:lnTo>
-                  <a:lnTo>
-                    <a:pt x="264955" y="311498"/>
-                  </a:lnTo>
-                  <a:lnTo>
-                    <a:pt x="138844" y="253377"/>
-                  </a:lnTo>
-                  <a:lnTo>
-                    <a:pt x="0" y="311498"/>
-                  </a:lnTo>
-                  <a:close/>
-                </a:path>
-              </a:pathLst>
-            </a:custGeom>
-            <a:grpFill/>
-            <a:ln w="19050">
-              <a:noFill/>
-              <a:miter lim="800000"/>
-              <a:headEnd/>
-              <a:tailEnd/>
-            </a:ln>
-            <a:effectLst>
-              <a:outerShdw blurRad="44450" dist="27940" dir="5400000" algn="ctr">
-                <a:srgbClr val="000000">
-                  <a:alpha val="32000"/>
-                </a:srgbClr>
-              </a:outerShdw>
-            </a:effectLst>
-            <a:sp3d>
-              <a:bevelT w="190500" h="38100"/>
-            </a:sp3d>
-          </p:spPr>
-          <p:txBody>
-            <a:bodyPr rot="10800000" vert="eaVert" wrap="none" anchor="ctr"/>
-            <a:lstStyle/>
-            <a:p>
-              <a:endParaRPr lang="en-GB" dirty="0">
-                <a:solidFill>
-                  <a:schemeClr val="accent6"/>
-                </a:solidFill>
-              </a:endParaRPr>
-            </a:p>
-          </p:txBody>
-        </p:sp>
-        <p:sp>
-          <p:nvSpPr>
-            <p:cNvPr id="17" name="Freeform 11"/>
-            <p:cNvSpPr>
-              <a:spLocks/>
-            </p:cNvSpPr>
-            <p:nvPr/>
-          </p:nvSpPr>
-          <p:spPr bwMode="hidden">
-            <a:xfrm>
-              <a:off x="1802606" y="1545430"/>
-              <a:ext cx="701117" cy="344477"/>
-            </a:xfrm>
-            <a:custGeom>
-              <a:avLst/>
-              <a:gdLst>
-                <a:gd name="T0" fmla="*/ 0 w 245"/>
-                <a:gd name="T1" fmla="*/ 0 h 158"/>
-                <a:gd name="T2" fmla="*/ 245 w 245"/>
-                <a:gd name="T3" fmla="*/ 146 h 158"/>
-                <a:gd name="T4" fmla="*/ 226 w 245"/>
-                <a:gd name="T5" fmla="*/ 158 h 158"/>
-                <a:gd name="T6" fmla="*/ 0 w 245"/>
-                <a:gd name="T7" fmla="*/ 23 h 158"/>
-                <a:gd name="T8" fmla="*/ 0 w 245"/>
-                <a:gd name="T9" fmla="*/ 0 h 158"/>
-                <a:gd name="T10" fmla="*/ 0 60000 65536"/>
-                <a:gd name="T11" fmla="*/ 0 60000 65536"/>
-                <a:gd name="T12" fmla="*/ 0 60000 65536"/>
-                <a:gd name="T13" fmla="*/ 0 60000 65536"/>
-                <a:gd name="T14" fmla="*/ 0 60000 65536"/>
-                <a:gd name="T15" fmla="*/ 0 w 245"/>
-                <a:gd name="T16" fmla="*/ 0 h 158"/>
-                <a:gd name="T17" fmla="*/ 245 w 245"/>
-                <a:gd name="T18" fmla="*/ 158 h 158"/>
-              </a:gdLst>
-              <a:ahLst/>
-              <a:cxnLst>
-                <a:cxn ang="T10">
-                  <a:pos x="T0" y="T1"/>
-                </a:cxn>
-                <a:cxn ang="T11">
-                  <a:pos x="T2" y="T3"/>
-                </a:cxn>
-                <a:cxn ang="T12">
-                  <a:pos x="T4" y="T5"/>
-                </a:cxn>
-                <a:cxn ang="T13">
-                  <a:pos x="T6" y="T7"/>
-                </a:cxn>
-                <a:cxn ang="T14">
-                  <a:pos x="T8" y="T9"/>
-                </a:cxn>
-              </a:cxnLst>
-              <a:rect l="T15" t="T16" r="T17" b="T18"/>
-              <a:pathLst>
-                <a:path w="245" h="158">
-                  <a:moveTo>
-                    <a:pt x="0" y="0"/>
-                  </a:moveTo>
-                  <a:lnTo>
-                    <a:pt x="245" y="146"/>
-                  </a:lnTo>
-                  <a:lnTo>
-                    <a:pt x="226" y="158"/>
-                  </a:lnTo>
-                  <a:lnTo>
-                    <a:pt x="0" y="23"/>
-                  </a:lnTo>
-                  <a:lnTo>
-                    <a:pt x="0" y="0"/>
-                  </a:lnTo>
-                  <a:close/>
-                </a:path>
-              </a:pathLst>
-            </a:custGeom>
-            <a:grpFill/>
-            <a:ln w="28575" cap="flat" cmpd="sng">
-              <a:noFill/>
-              <a:prstDash val="solid"/>
-              <a:round/>
-              <a:headEnd type="none" w="med" len="med"/>
-              <a:tailEnd type="none" w="med" len="med"/>
-            </a:ln>
-            <a:effectLst>
-              <a:outerShdw blurRad="44450" dist="27940" dir="5400000" algn="ctr">
-                <a:srgbClr val="000000">
-                  <a:alpha val="32000"/>
-                </a:srgbClr>
-              </a:outerShdw>
-            </a:effectLst>
-            <a:sp3d>
-              <a:bevelT w="190500" h="38100"/>
-            </a:sp3d>
-          </p:spPr>
-          <p:txBody>
-            <a:bodyPr/>
-            <a:lstStyle/>
-            <a:p>
-              <a:endParaRPr lang="en-US" dirty="0">
-                <a:solidFill>
-                  <a:schemeClr val="accent6"/>
-                </a:solidFill>
-              </a:endParaRPr>
-            </a:p>
-          </p:txBody>
-        </p:sp>
-        <p:sp>
-          <p:nvSpPr>
-            <p:cNvPr id="18" name="Freeform 12"/>
-            <p:cNvSpPr>
-              <a:spLocks/>
-            </p:cNvSpPr>
-            <p:nvPr/>
-          </p:nvSpPr>
-          <p:spPr bwMode="hidden">
-            <a:xfrm>
-              <a:off x="1797843" y="1840589"/>
-              <a:ext cx="710079" cy="357304"/>
-            </a:xfrm>
-            <a:custGeom>
-              <a:avLst/>
-              <a:gdLst>
-                <a:gd name="T0" fmla="*/ 248 w 248"/>
-                <a:gd name="T1" fmla="*/ 12 h 156"/>
-                <a:gd name="T2" fmla="*/ 0 w 248"/>
-                <a:gd name="T3" fmla="*/ 156 h 156"/>
-                <a:gd name="T4" fmla="*/ 3 w 248"/>
-                <a:gd name="T5" fmla="*/ 131 h 156"/>
-                <a:gd name="T6" fmla="*/ 229 w 248"/>
-                <a:gd name="T7" fmla="*/ 0 h 156"/>
-                <a:gd name="T8" fmla="*/ 248 w 248"/>
-                <a:gd name="T9" fmla="*/ 12 h 156"/>
-                <a:gd name="T10" fmla="*/ 0 60000 65536"/>
-                <a:gd name="T11" fmla="*/ 0 60000 65536"/>
-                <a:gd name="T12" fmla="*/ 0 60000 65536"/>
-                <a:gd name="T13" fmla="*/ 0 60000 65536"/>
-                <a:gd name="T14" fmla="*/ 0 60000 65536"/>
-                <a:gd name="T15" fmla="*/ 0 w 248"/>
-                <a:gd name="T16" fmla="*/ 0 h 156"/>
-                <a:gd name="T17" fmla="*/ 248 w 248"/>
-                <a:gd name="T18" fmla="*/ 156 h 156"/>
-              </a:gdLst>
-              <a:ahLst/>
-              <a:cxnLst>
-                <a:cxn ang="T10">
-                  <a:pos x="T0" y="T1"/>
-                </a:cxn>
-                <a:cxn ang="T11">
-                  <a:pos x="T2" y="T3"/>
-                </a:cxn>
-                <a:cxn ang="T12">
-                  <a:pos x="T4" y="T5"/>
-                </a:cxn>
-                <a:cxn ang="T13">
-                  <a:pos x="T6" y="T7"/>
-                </a:cxn>
-                <a:cxn ang="T14">
-                  <a:pos x="T8" y="T9"/>
-                </a:cxn>
-              </a:cxnLst>
-              <a:rect l="T15" t="T16" r="T17" b="T18"/>
-              <a:pathLst>
-                <a:path w="248" h="156">
-                  <a:moveTo>
-                    <a:pt x="248" y="12"/>
-                  </a:moveTo>
-                  <a:lnTo>
-                    <a:pt x="0" y="156"/>
-                  </a:lnTo>
-                  <a:lnTo>
-                    <a:pt x="3" y="131"/>
-                  </a:lnTo>
-                  <a:lnTo>
-                    <a:pt x="229" y="0"/>
-                  </a:lnTo>
-                  <a:lnTo>
-                    <a:pt x="248" y="12"/>
-                  </a:lnTo>
-                  <a:close/>
-                </a:path>
-              </a:pathLst>
-            </a:custGeom>
-            <a:grpFill/>
-            <a:ln w="28575" cap="flat" cmpd="sng">
-              <a:noFill/>
-              <a:prstDash val="solid"/>
-              <a:round/>
-              <a:headEnd type="none" w="med" len="med"/>
-              <a:tailEnd type="none" w="med" len="med"/>
-            </a:ln>
-            <a:effectLst>
-              <a:outerShdw blurRad="44450" dist="27940" dir="5400000" algn="ctr">
-                <a:srgbClr val="000000">
-                  <a:alpha val="32000"/>
-                </a:srgbClr>
-              </a:outerShdw>
-            </a:effectLst>
-            <a:sp3d>
-              <a:bevelT w="190500" h="38100"/>
-            </a:sp3d>
-          </p:spPr>
-          <p:txBody>
-            <a:bodyPr/>
-            <a:lstStyle/>
-            <a:p>
-              <a:endParaRPr lang="en-US" dirty="0">
-                <a:solidFill>
-                  <a:schemeClr val="accent6"/>
-                </a:solidFill>
-              </a:endParaRPr>
-            </a:p>
-          </p:txBody>
-        </p:sp>
-      </p:grpSp>
+      <p:graphicFrame>
+        <p:nvGraphicFramePr>
+          <p:cNvPr id="8" name="Table 7">
+            <a:extLst>
+              <a:ext uri="{FF2B5EF4-FFF2-40B4-BE49-F238E27FC236}">
+                <a16:creationId xmlns:a16="http://schemas.microsoft.com/office/drawing/2014/main" id="{26EFAC43-4F5B-4E07-9D45-7CCB1713DC7C}"/>
+              </a:ext>
+            </a:extLst>
+          </p:cNvPr>
+          <p:cNvGraphicFramePr>
+            <a:graphicFrameLocks noGrp="1"/>
+          </p:cNvGraphicFramePr>
+          <p:nvPr>
+            <p:extLst>
+              <p:ext uri="{D42A27DB-BD31-4B8C-83A1-F6EECF244321}">
+                <p14:modId xmlns:p14="http://schemas.microsoft.com/office/powerpoint/2010/main" val="1382443471"/>
+              </p:ext>
+            </p:extLst>
+          </p:nvPr>
+        </p:nvGraphicFramePr>
+        <p:xfrm>
+          <a:off x="2880360" y="1447543"/>
+          <a:ext cx="3383280" cy="1645920"/>
+        </p:xfrm>
+        <a:graphic>
+          <a:graphicData uri="http://schemas.openxmlformats.org/drawingml/2006/table">
+            <a:tbl>
+              <a:tblPr>
+                <a:tableStyleId>{00A15C55-8517-42AA-B614-E9B94910E393}</a:tableStyleId>
+              </a:tblPr>
+              <a:tblGrid>
+                <a:gridCol w="3383280">
+                  <a:extLst>
+                    <a:ext uri="{9D8B030D-6E8A-4147-A177-3AD203B41FA5}">
+                      <a16:colId xmlns:a16="http://schemas.microsoft.com/office/drawing/2014/main" val="1695728431"/>
+                    </a:ext>
+                  </a:extLst>
+                </a:gridCol>
+              </a:tblGrid>
+              <a:tr h="548640">
+                <a:tc>
+                  <a:txBody>
+                    <a:bodyPr/>
+                    <a:lstStyle/>
+                    <a:p>
+                      <a:pPr>
+                        <a:lnSpc>
+                          <a:spcPct val="100000"/>
+                        </a:lnSpc>
+                        <a:spcAft>
+                          <a:spcPts val="0"/>
+                        </a:spcAft>
+                      </a:pPr>
+                      <a:r>
+                        <a:rPr lang="en-US" sz="2000" b="1" dirty="0">
+                          <a:solidFill>
+                            <a:schemeClr val="tx1"/>
+                          </a:solidFill>
+                        </a:rPr>
+                        <a:t>Regression Analysis</a:t>
+                      </a:r>
+                    </a:p>
+                  </a:txBody>
+                  <a:tcPr anchor="ctr">
+                    <a:lnT w="12700" cap="flat" cmpd="sng" algn="ctr">
+                      <a:solidFill>
+                        <a:schemeClr val="bg1">
+                          <a:lumMod val="65000"/>
+                        </a:schemeClr>
+                      </a:solidFill>
+                      <a:prstDash val="solid"/>
+                      <a:round/>
+                      <a:headEnd type="none" w="med" len="med"/>
+                      <a:tailEnd type="none" w="med" len="med"/>
+                    </a:lnT>
+                    <a:lnB w="12700" cap="flat" cmpd="sng" algn="ctr">
+                      <a:solidFill>
+                        <a:schemeClr val="bg1">
+                          <a:lumMod val="65000"/>
+                        </a:schemeClr>
+                      </a:solidFill>
+                      <a:prstDash val="solid"/>
+                      <a:round/>
+                      <a:headEnd type="none" w="med" len="med"/>
+                      <a:tailEnd type="none" w="med" len="med"/>
+                    </a:lnB>
+                    <a:noFill/>
+                  </a:tcPr>
+                </a:tc>
+                <a:extLst>
+                  <a:ext uri="{0D108BD9-81ED-4DB2-BD59-A6C34878D82A}">
+                    <a16:rowId xmlns:a16="http://schemas.microsoft.com/office/drawing/2014/main" val="1924402624"/>
+                  </a:ext>
+                </a:extLst>
+              </a:tr>
+              <a:tr h="548640">
+                <a:tc>
+                  <a:txBody>
+                    <a:bodyPr/>
+                    <a:lstStyle/>
+                    <a:p>
+                      <a:pPr>
+                        <a:lnSpc>
+                          <a:spcPct val="100000"/>
+                        </a:lnSpc>
+                        <a:spcAft>
+                          <a:spcPts val="0"/>
+                        </a:spcAft>
+                      </a:pPr>
+                      <a:r>
+                        <a:rPr lang="en-US" sz="2000" dirty="0">
+                          <a:solidFill>
+                            <a:schemeClr val="bg1">
+                              <a:lumMod val="65000"/>
+                            </a:schemeClr>
+                          </a:solidFill>
+                        </a:rPr>
+                        <a:t>Algorithms</a:t>
+                      </a:r>
+                    </a:p>
+                  </a:txBody>
+                  <a:tcPr anchor="ctr">
+                    <a:lnT w="12700" cap="flat" cmpd="sng" algn="ctr">
+                      <a:solidFill>
+                        <a:schemeClr val="bg1">
+                          <a:lumMod val="65000"/>
+                        </a:schemeClr>
+                      </a:solidFill>
+                      <a:prstDash val="solid"/>
+                      <a:round/>
+                      <a:headEnd type="none" w="med" len="med"/>
+                      <a:tailEnd type="none" w="med" len="med"/>
+                    </a:lnT>
+                    <a:lnB w="12700" cap="flat" cmpd="sng" algn="ctr">
+                      <a:solidFill>
+                        <a:schemeClr val="bg1">
+                          <a:lumMod val="65000"/>
+                        </a:schemeClr>
+                      </a:solidFill>
+                      <a:prstDash val="solid"/>
+                      <a:round/>
+                      <a:headEnd type="none" w="med" len="med"/>
+                      <a:tailEnd type="none" w="med" len="med"/>
+                    </a:lnB>
+                    <a:noFill/>
+                  </a:tcPr>
+                </a:tc>
+                <a:extLst>
+                  <a:ext uri="{0D108BD9-81ED-4DB2-BD59-A6C34878D82A}">
+                    <a16:rowId xmlns:a16="http://schemas.microsoft.com/office/drawing/2014/main" val="2634114360"/>
+                  </a:ext>
+                </a:extLst>
+              </a:tr>
+              <a:tr h="548640">
+                <a:tc>
+                  <a:txBody>
+                    <a:bodyPr/>
+                    <a:lstStyle/>
+                    <a:p>
+                      <a:pPr>
+                        <a:lnSpc>
+                          <a:spcPct val="100000"/>
+                        </a:lnSpc>
+                        <a:spcAft>
+                          <a:spcPts val="0"/>
+                        </a:spcAft>
+                      </a:pPr>
+                      <a:r>
+                        <a:rPr lang="en-US" sz="2000" dirty="0">
+                          <a:solidFill>
+                            <a:schemeClr val="bg1">
+                              <a:lumMod val="65000"/>
+                            </a:schemeClr>
+                          </a:solidFill>
+                        </a:rPr>
+                        <a:t>Chapter Summary</a:t>
+                      </a:r>
+                    </a:p>
+                  </a:txBody>
+                  <a:tcPr anchor="ctr">
+                    <a:lnT w="12700" cap="flat" cmpd="sng" algn="ctr">
+                      <a:solidFill>
+                        <a:schemeClr val="bg1">
+                          <a:lumMod val="65000"/>
+                        </a:schemeClr>
+                      </a:solidFill>
+                      <a:prstDash val="solid"/>
+                      <a:round/>
+                      <a:headEnd type="none" w="med" len="med"/>
+                      <a:tailEnd type="none" w="med" len="med"/>
+                    </a:lnT>
+                    <a:lnB w="12700" cap="flat" cmpd="sng" algn="ctr">
+                      <a:solidFill>
+                        <a:schemeClr val="bg1">
+                          <a:lumMod val="65000"/>
+                        </a:schemeClr>
+                      </a:solidFill>
+                      <a:prstDash val="solid"/>
+                      <a:round/>
+                      <a:headEnd type="none" w="med" len="med"/>
+                      <a:tailEnd type="none" w="med" len="med"/>
+                    </a:lnB>
+                    <a:noFill/>
+                  </a:tcPr>
+                </a:tc>
+                <a:extLst>
+                  <a:ext uri="{0D108BD9-81ED-4DB2-BD59-A6C34878D82A}">
+                    <a16:rowId xmlns:a16="http://schemas.microsoft.com/office/drawing/2014/main" val="376303497"/>
+                  </a:ext>
+                </a:extLst>
+              </a:tr>
+            </a:tbl>
+          </a:graphicData>
+        </a:graphic>
+      </p:graphicFrame>
     </p:spTree>
     <p:extLst>
       <p:ext uri="{BB962C8B-B14F-4D97-AF65-F5344CB8AC3E}">
@@ -9699,7 +9349,7 @@
           <a:p>
             <a:r>
               <a:rPr lang="en-US" dirty="0"/>
-              <a:t>For our examples, let's use a public data set of housing data</a:t>
+              <a:t>For our examples, let’s use a public data set of housing data</a:t>
             </a:r>
           </a:p>
           <a:p>
@@ -10043,41 +9693,6 @@
       </p:grpSpPr>
       <p:sp>
         <p:nvSpPr>
-          <p:cNvPr id="3" name="Text Placeholder 2"/>
-          <p:cNvSpPr>
-            <a:spLocks noGrp="1"/>
-          </p:cNvSpPr>
-          <p:nvPr>
-            <p:ph type="body" sz="quarter" idx="11"/>
-          </p:nvPr>
-        </p:nvSpPr>
-        <p:spPr/>
-        <p:txBody>
-          <a:bodyPr/>
-          <a:lstStyle/>
-          <a:p>
-            <a:r>
-              <a:rPr lang="en-US" dirty="0"/>
-              <a:t>Cluster Analysis</a:t>
-            </a:r>
-          </a:p>
-          <a:p>
-            <a:r>
-              <a:rPr lang="en-US" b="1" dirty="0"/>
-              <a:t>Algorithms</a:t>
-            </a:r>
-          </a:p>
-          <a:p>
-            <a:pPr lvl="1"/>
-            <a:r>
-              <a:rPr lang="en-US" dirty="0"/>
-              <a:t>Chapter Summary</a:t>
-            </a:r>
-          </a:p>
-        </p:txBody>
-      </p:sp>
-      <p:sp>
-        <p:nvSpPr>
           <p:cNvPr id="2" name="Title 1"/>
           <p:cNvSpPr>
             <a:spLocks noGrp="1"/>
@@ -10098,361 +9713,221 @@
           </a:p>
         </p:txBody>
       </p:sp>
-      <p:grpSp>
-        <p:nvGrpSpPr>
-          <p:cNvPr id="13" name="Group 12"/>
-          <p:cNvGrpSpPr/>
-          <p:nvPr/>
-        </p:nvGrpSpPr>
-        <p:grpSpPr>
-          <a:xfrm>
-            <a:off x="2932771" y="2304817"/>
-            <a:ext cx="410322" cy="377482"/>
-            <a:chOff x="1766887" y="1515010"/>
-            <a:chExt cx="741316" cy="700622"/>
-          </a:xfrm>
-          <a:solidFill>
-            <a:schemeClr val="accent4"/>
-          </a:solidFill>
-          <a:scene3d>
-            <a:camera prst="orthographicFront">
-              <a:rot lat="0" lon="0" rev="0"/>
-            </a:camera>
-            <a:lightRig rig="balanced" dir="t">
-              <a:rot lat="0" lon="0" rev="8700000"/>
-            </a:lightRig>
-          </a:scene3d>
-        </p:grpSpPr>
-        <p:sp>
-          <p:nvSpPr>
-            <p:cNvPr id="16" name="AutoShape 10"/>
-            <p:cNvSpPr>
-              <a:spLocks noChangeArrowheads="1"/>
-            </p:cNvSpPr>
-            <p:nvPr/>
-          </p:nvSpPr>
-          <p:spPr bwMode="black">
-            <a:xfrm rot="5400000">
-              <a:off x="1787234" y="1494663"/>
-              <a:ext cx="700622" cy="741316"/>
-            </a:xfrm>
-            <a:custGeom>
-              <a:avLst/>
-              <a:gdLst>
-                <a:gd name="connsiteX0" fmla="*/ 0 w 264955"/>
-                <a:gd name="connsiteY0" fmla="*/ 311498 h 311498"/>
-                <a:gd name="connsiteX1" fmla="*/ 132478 w 264955"/>
-                <a:gd name="connsiteY1" fmla="*/ 0 h 311498"/>
-                <a:gd name="connsiteX2" fmla="*/ 264955 w 264955"/>
-                <a:gd name="connsiteY2" fmla="*/ 311498 h 311498"/>
-                <a:gd name="connsiteX3" fmla="*/ 0 w 264955"/>
-                <a:gd name="connsiteY3" fmla="*/ 311498 h 311498"/>
-                <a:gd name="connsiteX0" fmla="*/ 0 w 264955"/>
-                <a:gd name="connsiteY0" fmla="*/ 311498 h 312908"/>
-                <a:gd name="connsiteX1" fmla="*/ 132478 w 264955"/>
-                <a:gd name="connsiteY1" fmla="*/ 0 h 312908"/>
-                <a:gd name="connsiteX2" fmla="*/ 264955 w 264955"/>
-                <a:gd name="connsiteY2" fmla="*/ 311498 h 312908"/>
-                <a:gd name="connsiteX3" fmla="*/ 124553 w 264955"/>
-                <a:gd name="connsiteY3" fmla="*/ 312908 h 312908"/>
-                <a:gd name="connsiteX4" fmla="*/ 0 w 264955"/>
-                <a:gd name="connsiteY4" fmla="*/ 311498 h 312908"/>
-                <a:gd name="connsiteX0" fmla="*/ 0 w 264955"/>
-                <a:gd name="connsiteY0" fmla="*/ 311498 h 311498"/>
-                <a:gd name="connsiteX1" fmla="*/ 132478 w 264955"/>
-                <a:gd name="connsiteY1" fmla="*/ 0 h 311498"/>
-                <a:gd name="connsiteX2" fmla="*/ 264955 w 264955"/>
-                <a:gd name="connsiteY2" fmla="*/ 311498 h 311498"/>
-                <a:gd name="connsiteX3" fmla="*/ 138844 w 264955"/>
-                <a:gd name="connsiteY3" fmla="*/ 253377 h 311498"/>
-                <a:gd name="connsiteX4" fmla="*/ 0 w 264955"/>
-                <a:gd name="connsiteY4" fmla="*/ 311498 h 311498"/>
-              </a:gdLst>
-              <a:ahLst/>
-              <a:cxnLst>
-                <a:cxn ang="0">
-                  <a:pos x="connsiteX0" y="connsiteY0"/>
-                </a:cxn>
-                <a:cxn ang="0">
-                  <a:pos x="connsiteX1" y="connsiteY1"/>
-                </a:cxn>
-                <a:cxn ang="0">
-                  <a:pos x="connsiteX2" y="connsiteY2"/>
-                </a:cxn>
-                <a:cxn ang="0">
-                  <a:pos x="connsiteX3" y="connsiteY3"/>
-                </a:cxn>
-                <a:cxn ang="0">
-                  <a:pos x="connsiteX4" y="connsiteY4"/>
-                </a:cxn>
-              </a:cxnLst>
-              <a:rect l="l" t="t" r="r" b="b"/>
-              <a:pathLst>
-                <a:path w="264955" h="311498">
-                  <a:moveTo>
-                    <a:pt x="0" y="311498"/>
-                  </a:moveTo>
-                  <a:lnTo>
-                    <a:pt x="132478" y="0"/>
-                  </a:lnTo>
-                  <a:lnTo>
-                    <a:pt x="264955" y="311498"/>
-                  </a:lnTo>
-                  <a:lnTo>
-                    <a:pt x="138844" y="253377"/>
-                  </a:lnTo>
-                  <a:lnTo>
-                    <a:pt x="0" y="311498"/>
-                  </a:lnTo>
-                  <a:close/>
-                </a:path>
-              </a:pathLst>
-            </a:custGeom>
-            <a:grpFill/>
-            <a:ln w="19050">
-              <a:noFill/>
-              <a:miter lim="800000"/>
-              <a:headEnd/>
-              <a:tailEnd/>
-            </a:ln>
-            <a:effectLst>
-              <a:outerShdw blurRad="44450" dist="27940" dir="5400000" algn="ctr">
-                <a:srgbClr val="000000">
-                  <a:alpha val="32000"/>
-                </a:srgbClr>
-              </a:outerShdw>
-            </a:effectLst>
-            <a:sp3d>
-              <a:bevelT w="190500" h="38100"/>
-            </a:sp3d>
-          </p:spPr>
-          <p:txBody>
-            <a:bodyPr rot="10800000" vert="eaVert" wrap="none" anchor="ctr"/>
-            <a:lstStyle/>
-            <a:p>
-              <a:endParaRPr lang="en-GB" dirty="0">
-                <a:solidFill>
-                  <a:schemeClr val="accent6"/>
-                </a:solidFill>
-              </a:endParaRPr>
-            </a:p>
-          </p:txBody>
-        </p:sp>
-        <p:sp>
-          <p:nvSpPr>
-            <p:cNvPr id="17" name="Freeform 11"/>
-            <p:cNvSpPr>
-              <a:spLocks/>
-            </p:cNvSpPr>
-            <p:nvPr/>
-          </p:nvSpPr>
-          <p:spPr bwMode="hidden">
-            <a:xfrm>
-              <a:off x="1802606" y="1545430"/>
-              <a:ext cx="701117" cy="344477"/>
-            </a:xfrm>
-            <a:custGeom>
-              <a:avLst/>
-              <a:gdLst>
-                <a:gd name="T0" fmla="*/ 0 w 245"/>
-                <a:gd name="T1" fmla="*/ 0 h 158"/>
-                <a:gd name="T2" fmla="*/ 245 w 245"/>
-                <a:gd name="T3" fmla="*/ 146 h 158"/>
-                <a:gd name="T4" fmla="*/ 226 w 245"/>
-                <a:gd name="T5" fmla="*/ 158 h 158"/>
-                <a:gd name="T6" fmla="*/ 0 w 245"/>
-                <a:gd name="T7" fmla="*/ 23 h 158"/>
-                <a:gd name="T8" fmla="*/ 0 w 245"/>
-                <a:gd name="T9" fmla="*/ 0 h 158"/>
-                <a:gd name="T10" fmla="*/ 0 60000 65536"/>
-                <a:gd name="T11" fmla="*/ 0 60000 65536"/>
-                <a:gd name="T12" fmla="*/ 0 60000 65536"/>
-                <a:gd name="T13" fmla="*/ 0 60000 65536"/>
-                <a:gd name="T14" fmla="*/ 0 60000 65536"/>
-                <a:gd name="T15" fmla="*/ 0 w 245"/>
-                <a:gd name="T16" fmla="*/ 0 h 158"/>
-                <a:gd name="T17" fmla="*/ 245 w 245"/>
-                <a:gd name="T18" fmla="*/ 158 h 158"/>
-              </a:gdLst>
-              <a:ahLst/>
-              <a:cxnLst>
-                <a:cxn ang="T10">
-                  <a:pos x="T0" y="T1"/>
-                </a:cxn>
-                <a:cxn ang="T11">
-                  <a:pos x="T2" y="T3"/>
-                </a:cxn>
-                <a:cxn ang="T12">
-                  <a:pos x="T4" y="T5"/>
-                </a:cxn>
-                <a:cxn ang="T13">
-                  <a:pos x="T6" y="T7"/>
-                </a:cxn>
-                <a:cxn ang="T14">
-                  <a:pos x="T8" y="T9"/>
-                </a:cxn>
-              </a:cxnLst>
-              <a:rect l="T15" t="T16" r="T17" b="T18"/>
-              <a:pathLst>
-                <a:path w="245" h="158">
-                  <a:moveTo>
-                    <a:pt x="0" y="0"/>
-                  </a:moveTo>
-                  <a:lnTo>
-                    <a:pt x="245" y="146"/>
-                  </a:lnTo>
-                  <a:lnTo>
-                    <a:pt x="226" y="158"/>
-                  </a:lnTo>
-                  <a:lnTo>
-                    <a:pt x="0" y="23"/>
-                  </a:lnTo>
-                  <a:lnTo>
-                    <a:pt x="0" y="0"/>
-                  </a:lnTo>
-                  <a:close/>
-                </a:path>
-              </a:pathLst>
-            </a:custGeom>
-            <a:grpFill/>
-            <a:ln w="28575" cap="flat" cmpd="sng">
-              <a:noFill/>
-              <a:prstDash val="solid"/>
-              <a:round/>
-              <a:headEnd type="none" w="med" len="med"/>
-              <a:tailEnd type="none" w="med" len="med"/>
-            </a:ln>
-            <a:effectLst>
-              <a:outerShdw blurRad="44450" dist="27940" dir="5400000" algn="ctr">
-                <a:srgbClr val="000000">
-                  <a:alpha val="32000"/>
-                </a:srgbClr>
-              </a:outerShdw>
-            </a:effectLst>
-            <a:sp3d>
-              <a:bevelT w="190500" h="38100"/>
-            </a:sp3d>
-          </p:spPr>
-          <p:txBody>
-            <a:bodyPr/>
-            <a:lstStyle/>
-            <a:p>
-              <a:endParaRPr lang="en-US" dirty="0">
-                <a:solidFill>
-                  <a:schemeClr val="accent6"/>
-                </a:solidFill>
-              </a:endParaRPr>
-            </a:p>
-          </p:txBody>
-        </p:sp>
-        <p:sp>
-          <p:nvSpPr>
-            <p:cNvPr id="18" name="Freeform 12"/>
-            <p:cNvSpPr>
-              <a:spLocks/>
-            </p:cNvSpPr>
-            <p:nvPr/>
-          </p:nvSpPr>
-          <p:spPr bwMode="hidden">
-            <a:xfrm>
-              <a:off x="1797843" y="1840589"/>
-              <a:ext cx="710079" cy="357304"/>
-            </a:xfrm>
-            <a:custGeom>
-              <a:avLst/>
-              <a:gdLst>
-                <a:gd name="T0" fmla="*/ 248 w 248"/>
-                <a:gd name="T1" fmla="*/ 12 h 156"/>
-                <a:gd name="T2" fmla="*/ 0 w 248"/>
-                <a:gd name="T3" fmla="*/ 156 h 156"/>
-                <a:gd name="T4" fmla="*/ 3 w 248"/>
-                <a:gd name="T5" fmla="*/ 131 h 156"/>
-                <a:gd name="T6" fmla="*/ 229 w 248"/>
-                <a:gd name="T7" fmla="*/ 0 h 156"/>
-                <a:gd name="T8" fmla="*/ 248 w 248"/>
-                <a:gd name="T9" fmla="*/ 12 h 156"/>
-                <a:gd name="T10" fmla="*/ 0 60000 65536"/>
-                <a:gd name="T11" fmla="*/ 0 60000 65536"/>
-                <a:gd name="T12" fmla="*/ 0 60000 65536"/>
-                <a:gd name="T13" fmla="*/ 0 60000 65536"/>
-                <a:gd name="T14" fmla="*/ 0 60000 65536"/>
-                <a:gd name="T15" fmla="*/ 0 w 248"/>
-                <a:gd name="T16" fmla="*/ 0 h 156"/>
-                <a:gd name="T17" fmla="*/ 248 w 248"/>
-                <a:gd name="T18" fmla="*/ 156 h 156"/>
-              </a:gdLst>
-              <a:ahLst/>
-              <a:cxnLst>
-                <a:cxn ang="T10">
-                  <a:pos x="T0" y="T1"/>
-                </a:cxn>
-                <a:cxn ang="T11">
-                  <a:pos x="T2" y="T3"/>
-                </a:cxn>
-                <a:cxn ang="T12">
-                  <a:pos x="T4" y="T5"/>
-                </a:cxn>
-                <a:cxn ang="T13">
-                  <a:pos x="T6" y="T7"/>
-                </a:cxn>
-                <a:cxn ang="T14">
-                  <a:pos x="T8" y="T9"/>
-                </a:cxn>
-              </a:cxnLst>
-              <a:rect l="T15" t="T16" r="T17" b="T18"/>
-              <a:pathLst>
-                <a:path w="248" h="156">
-                  <a:moveTo>
-                    <a:pt x="248" y="12"/>
-                  </a:moveTo>
-                  <a:lnTo>
-                    <a:pt x="0" y="156"/>
-                  </a:lnTo>
-                  <a:lnTo>
-                    <a:pt x="3" y="131"/>
-                  </a:lnTo>
-                  <a:lnTo>
-                    <a:pt x="229" y="0"/>
-                  </a:lnTo>
-                  <a:lnTo>
-                    <a:pt x="248" y="12"/>
-                  </a:lnTo>
-                  <a:close/>
-                </a:path>
-              </a:pathLst>
-            </a:custGeom>
-            <a:grpFill/>
-            <a:ln w="28575" cap="flat" cmpd="sng">
-              <a:noFill/>
-              <a:prstDash val="solid"/>
-              <a:round/>
-              <a:headEnd type="none" w="med" len="med"/>
-              <a:tailEnd type="none" w="med" len="med"/>
-            </a:ln>
-            <a:effectLst>
-              <a:outerShdw blurRad="44450" dist="27940" dir="5400000" algn="ctr">
-                <a:srgbClr val="000000">
-                  <a:alpha val="32000"/>
-                </a:srgbClr>
-              </a:outerShdw>
-            </a:effectLst>
-            <a:sp3d>
-              <a:bevelT w="190500" h="38100"/>
-            </a:sp3d>
-          </p:spPr>
-          <p:txBody>
-            <a:bodyPr/>
-            <a:lstStyle/>
-            <a:p>
-              <a:endParaRPr lang="en-US" dirty="0">
-                <a:solidFill>
-                  <a:schemeClr val="accent6"/>
-                </a:solidFill>
-              </a:endParaRPr>
-            </a:p>
-          </p:txBody>
-        </p:sp>
-      </p:grpSp>
+      <p:graphicFrame>
+        <p:nvGraphicFramePr>
+          <p:cNvPr id="9" name="Table 8">
+            <a:extLst>
+              <a:ext uri="{FF2B5EF4-FFF2-40B4-BE49-F238E27FC236}">
+                <a16:creationId xmlns:a16="http://schemas.microsoft.com/office/drawing/2014/main" id="{25B6989E-669C-48E1-AAA3-A5006C563655}"/>
+              </a:ext>
+            </a:extLst>
+          </p:cNvPr>
+          <p:cNvGraphicFramePr>
+            <a:graphicFrameLocks noGrp="1"/>
+          </p:cNvGraphicFramePr>
+          <p:nvPr>
+            <p:extLst>
+              <p:ext uri="{D42A27DB-BD31-4B8C-83A1-F6EECF244321}">
+                <p14:modId xmlns:p14="http://schemas.microsoft.com/office/powerpoint/2010/main" val="2307674323"/>
+              </p:ext>
+            </p:extLst>
+          </p:nvPr>
+        </p:nvGraphicFramePr>
+        <p:xfrm>
+          <a:off x="2880360" y="1447543"/>
+          <a:ext cx="3383280" cy="1645920"/>
+        </p:xfrm>
+        <a:graphic>
+          <a:graphicData uri="http://schemas.openxmlformats.org/drawingml/2006/table">
+            <a:tbl>
+              <a:tblPr>
+                <a:tableStyleId>{00A15C55-8517-42AA-B614-E9B94910E393}</a:tableStyleId>
+              </a:tblPr>
+              <a:tblGrid>
+                <a:gridCol w="3383280">
+                  <a:extLst>
+                    <a:ext uri="{9D8B030D-6E8A-4147-A177-3AD203B41FA5}">
+                      <a16:colId xmlns:a16="http://schemas.microsoft.com/office/drawing/2014/main" val="1695728431"/>
+                    </a:ext>
+                  </a:extLst>
+                </a:gridCol>
+              </a:tblGrid>
+              <a:tr h="548640">
+                <a:tc>
+                  <a:txBody>
+                    <a:bodyPr/>
+                    <a:lstStyle/>
+                    <a:p>
+                      <a:pPr>
+                        <a:lnSpc>
+                          <a:spcPct val="100000"/>
+                        </a:lnSpc>
+                        <a:spcAft>
+                          <a:spcPts val="0"/>
+                        </a:spcAft>
+                      </a:pPr>
+                      <a:r>
+                        <a:rPr lang="en-US" sz="2000" dirty="0">
+                          <a:solidFill>
+                            <a:schemeClr val="bg1">
+                              <a:lumMod val="65000"/>
+                            </a:schemeClr>
+                          </a:solidFill>
+                        </a:rPr>
+                        <a:t>Regression Analysis</a:t>
+                      </a:r>
+                    </a:p>
+                  </a:txBody>
+                  <a:tcPr anchor="ctr">
+                    <a:lnT w="12700" cap="flat" cmpd="sng" algn="ctr">
+                      <a:solidFill>
+                        <a:schemeClr val="bg1">
+                          <a:lumMod val="65000"/>
+                        </a:schemeClr>
+                      </a:solidFill>
+                      <a:prstDash val="solid"/>
+                      <a:round/>
+                      <a:headEnd type="none" w="med" len="med"/>
+                      <a:tailEnd type="none" w="med" len="med"/>
+                    </a:lnT>
+                    <a:lnB w="12700" cap="flat" cmpd="sng" algn="ctr">
+                      <a:solidFill>
+                        <a:schemeClr val="bg1">
+                          <a:lumMod val="65000"/>
+                        </a:schemeClr>
+                      </a:solidFill>
+                      <a:prstDash val="solid"/>
+                      <a:round/>
+                      <a:headEnd type="none" w="med" len="med"/>
+                      <a:tailEnd type="none" w="med" len="med"/>
+                    </a:lnB>
+                    <a:noFill/>
+                  </a:tcPr>
+                </a:tc>
+                <a:extLst>
+                  <a:ext uri="{0D108BD9-81ED-4DB2-BD59-A6C34878D82A}">
+                    <a16:rowId xmlns:a16="http://schemas.microsoft.com/office/drawing/2014/main" val="1924402624"/>
+                  </a:ext>
+                </a:extLst>
+              </a:tr>
+              <a:tr h="548640">
+                <a:tc>
+                  <a:txBody>
+                    <a:bodyPr/>
+                    <a:lstStyle/>
+                    <a:p>
+                      <a:pPr>
+                        <a:lnSpc>
+                          <a:spcPct val="100000"/>
+                        </a:lnSpc>
+                        <a:spcAft>
+                          <a:spcPts val="0"/>
+                        </a:spcAft>
+                      </a:pPr>
+                      <a:r>
+                        <a:rPr lang="en-US" sz="2000" b="1" dirty="0">
+                          <a:solidFill>
+                            <a:schemeClr val="tx1"/>
+                          </a:solidFill>
+                        </a:rPr>
+                        <a:t>Algorithms</a:t>
+                      </a:r>
+                    </a:p>
+                  </a:txBody>
+                  <a:tcPr anchor="ctr">
+                    <a:lnT w="12700" cap="flat" cmpd="sng" algn="ctr">
+                      <a:solidFill>
+                        <a:schemeClr val="bg1">
+                          <a:lumMod val="65000"/>
+                        </a:schemeClr>
+                      </a:solidFill>
+                      <a:prstDash val="solid"/>
+                      <a:round/>
+                      <a:headEnd type="none" w="med" len="med"/>
+                      <a:tailEnd type="none" w="med" len="med"/>
+                    </a:lnT>
+                    <a:lnB w="12700" cap="flat" cmpd="sng" algn="ctr">
+                      <a:solidFill>
+                        <a:schemeClr val="bg1">
+                          <a:lumMod val="65000"/>
+                        </a:schemeClr>
+                      </a:solidFill>
+                      <a:prstDash val="solid"/>
+                      <a:round/>
+                      <a:headEnd type="none" w="med" len="med"/>
+                      <a:tailEnd type="none" w="med" len="med"/>
+                    </a:lnB>
+                    <a:noFill/>
+                  </a:tcPr>
+                </a:tc>
+                <a:extLst>
+                  <a:ext uri="{0D108BD9-81ED-4DB2-BD59-A6C34878D82A}">
+                    <a16:rowId xmlns:a16="http://schemas.microsoft.com/office/drawing/2014/main" val="2634114360"/>
+                  </a:ext>
+                </a:extLst>
+              </a:tr>
+              <a:tr h="548640">
+                <a:tc>
+                  <a:txBody>
+                    <a:bodyPr/>
+                    <a:lstStyle/>
+                    <a:p>
+                      <a:pPr>
+                        <a:lnSpc>
+                          <a:spcPct val="100000"/>
+                        </a:lnSpc>
+                        <a:spcAft>
+                          <a:spcPts val="0"/>
+                        </a:spcAft>
+                      </a:pPr>
+                      <a:r>
+                        <a:rPr lang="en-US" sz="2000" dirty="0">
+                          <a:solidFill>
+                            <a:schemeClr val="bg1">
+                              <a:lumMod val="65000"/>
+                            </a:schemeClr>
+                          </a:solidFill>
+                        </a:rPr>
+                        <a:t>Chapter Summary</a:t>
+                      </a:r>
+                    </a:p>
+                  </a:txBody>
+                  <a:tcPr anchor="ctr">
+                    <a:lnT w="12700" cap="flat" cmpd="sng" algn="ctr">
+                      <a:solidFill>
+                        <a:schemeClr val="bg1">
+                          <a:lumMod val="65000"/>
+                        </a:schemeClr>
+                      </a:solidFill>
+                      <a:prstDash val="solid"/>
+                      <a:round/>
+                      <a:headEnd type="none" w="med" len="med"/>
+                      <a:tailEnd type="none" w="med" len="med"/>
+                    </a:lnT>
+                    <a:lnB w="12700" cap="flat" cmpd="sng" algn="ctr">
+                      <a:solidFill>
+                        <a:schemeClr val="bg1">
+                          <a:lumMod val="65000"/>
+                        </a:schemeClr>
+                      </a:solidFill>
+                      <a:prstDash val="solid"/>
+                      <a:round/>
+                      <a:headEnd type="none" w="med" len="med"/>
+                      <a:tailEnd type="none" w="med" len="med"/>
+                    </a:lnB>
+                    <a:noFill/>
+                  </a:tcPr>
+                </a:tc>
+                <a:extLst>
+                  <a:ext uri="{0D108BD9-81ED-4DB2-BD59-A6C34878D82A}">
+                    <a16:rowId xmlns:a16="http://schemas.microsoft.com/office/drawing/2014/main" val="376303497"/>
+                  </a:ext>
+                </a:extLst>
+              </a:tr>
+            </a:tbl>
+          </a:graphicData>
+        </a:graphic>
+      </p:graphicFrame>
     </p:spTree>
     <p:extLst>
       <p:ext uri="{BB962C8B-B14F-4D97-AF65-F5344CB8AC3E}">
@@ -11951,12 +11426,9 @@
 </file>
 
 <file path=customXml/item1.xml><?xml version="1.0" encoding="utf-8"?>
-<?mso-contentType ?>
-<FormTemplates xmlns="http://schemas.microsoft.com/sharepoint/v3/contenttype/forms">
-  <Display>DocumentLibraryForm</Display>
-  <Edit>DocumentLibraryForm</Edit>
-  <New>DocumentLibraryForm</New>
-</FormTemplates>
+<p:properties xmlns:p="http://schemas.microsoft.com/office/2006/metadata/properties" xmlns:xsi="http://www.w3.org/2001/XMLSchema-instance" xmlns:pc="http://schemas.microsoft.com/office/infopath/2007/PartnerControls">
+  <documentManagement/>
+</p:properties>
 </file>
 
 <file path=customXml/item2.xml><?xml version="1.0" encoding="utf-8"?>
@@ -12112,15 +11584,19 @@
 </file>
 
 <file path=customXml/item3.xml><?xml version="1.0" encoding="utf-8"?>
-<p:properties xmlns:p="http://schemas.microsoft.com/office/2006/metadata/properties" xmlns:xsi="http://www.w3.org/2001/XMLSchema-instance" xmlns:pc="http://schemas.microsoft.com/office/infopath/2007/PartnerControls">
-  <documentManagement/>
-</p:properties>
+<?mso-contentType ?>
+<FormTemplates xmlns="http://schemas.microsoft.com/sharepoint/v3/contenttype/forms">
+  <Display>DocumentLibraryForm</Display>
+  <Edit>DocumentLibraryForm</Edit>
+  <New>DocumentLibraryForm</New>
+</FormTemplates>
 </file>
 
 <file path=customXml/itemProps1.xml><?xml version="1.0" encoding="utf-8"?>
-<ds:datastoreItem xmlns:ds="http://schemas.openxmlformats.org/officeDocument/2006/customXml" ds:itemID="{2DA015F3-603C-4688-A5F3-81D587DAB8C9}">
+<ds:datastoreItem xmlns:ds="http://schemas.openxmlformats.org/officeDocument/2006/customXml" ds:itemID="{F47B9207-CE5C-49AD-B414-15CBFA246D65}">
   <ds:schemaRefs>
-    <ds:schemaRef ds:uri="http://schemas.microsoft.com/sharepoint/v3/contenttype/forms"/>
+    <ds:schemaRef ds:uri="http://schemas.microsoft.com/office/2006/metadata/properties"/>
+    <ds:schemaRef ds:uri="http://schemas.microsoft.com/office/infopath/2007/PartnerControls"/>
   </ds:schemaRefs>
 </ds:datastoreItem>
 </file>
@@ -12144,10 +11620,9 @@
 </file>
 
 <file path=customXml/itemProps3.xml><?xml version="1.0" encoding="utf-8"?>
-<ds:datastoreItem xmlns:ds="http://schemas.openxmlformats.org/officeDocument/2006/customXml" ds:itemID="{F47B9207-CE5C-49AD-B414-15CBFA246D65}">
+<ds:datastoreItem xmlns:ds="http://schemas.openxmlformats.org/officeDocument/2006/customXml" ds:itemID="{2DA015F3-603C-4688-A5F3-81D587DAB8C9}">
   <ds:schemaRefs>
-    <ds:schemaRef ds:uri="http://schemas.microsoft.com/office/2006/metadata/properties"/>
-    <ds:schemaRef ds:uri="http://schemas.microsoft.com/office/infopath/2007/PartnerControls"/>
+    <ds:schemaRef ds:uri="http://schemas.microsoft.com/sharepoint/v3/contenttype/forms"/>
   </ds:schemaRefs>
 </ds:datastoreItem>
 </file>